--- a/presentation/Part2_group.pptx
+++ b/presentation/Part2_group.pptx
@@ -11,9 +11,9 @@
     <p:sldId id="256" r:id="rId2"/>
     <p:sldId id="261" r:id="rId3"/>
     <p:sldId id="262" r:id="rId4"/>
-    <p:sldId id="263" r:id="rId5"/>
-    <p:sldId id="264" r:id="rId6"/>
-    <p:sldId id="265" r:id="rId7"/>
+    <p:sldId id="267" r:id="rId5"/>
+    <p:sldId id="265" r:id="rId6"/>
+    <p:sldId id="268" r:id="rId7"/>
   </p:sldIdLst>
   <p:sldSz cx="12192000" cy="6858000"/>
   <p:notesSz cx="6858000" cy="9144000"/>
@@ -3811,7 +3811,7 @@
         </p:blipFill>
         <p:spPr>
           <a:xfrm>
-            <a:off x="0" y="279698"/>
+            <a:off x="0" y="0"/>
             <a:ext cx="12192000" cy="6858000"/>
           </a:xfrm>
           <a:prstGeom prst="rect">
@@ -3850,7 +3850,7 @@
             <a:pPr algn="l"/>
             <a:r>
               <a:rPr lang="en-GB" sz="4400" dirty="0"/>
-              <a:t>SDAA Sequential Group Recommendations</a:t>
+              <a:t>Sequential Group Recommendation with SDAA</a:t>
             </a:r>
           </a:p>
         </p:txBody>
@@ -3972,7 +3972,7 @@
         <p:spPr>
           <a:xfrm>
             <a:off x="641956" y="1852527"/>
-            <a:ext cx="7146187" cy="461665"/>
+            <a:ext cx="7944483" cy="461665"/>
           </a:xfrm>
           <a:prstGeom prst="rect">
             <a:avLst/>
@@ -3986,8 +3986,8 @@
           <a:lstStyle/>
           <a:p>
             <a:r>
-              <a:rPr lang="en-GB" sz="2400" b="1" dirty="0"/>
-              <a:t>Satisfaction and Disagreement Aware Aggregation</a:t>
+              <a:rPr lang="en-GB" sz="2400" dirty="0"/>
+              <a:t>Method: Satisfaction and Disagreement Aware Aggregation</a:t>
             </a:r>
             <a:endParaRPr lang="en-FI" sz="2400" dirty="0"/>
           </a:p>
@@ -4045,7 +4045,7 @@
         </p:blipFill>
         <p:spPr>
           <a:xfrm>
-            <a:off x="0" y="0"/>
+            <a:off x="-8224" y="0"/>
             <a:ext cx="12192000" cy="6858000"/>
           </a:xfrm>
           <a:prstGeom prst="rect">
@@ -4090,10 +4090,10 @@
       </p:sp>
       <p:sp>
         <p:nvSpPr>
-          <p:cNvPr id="7" name="TextBox 6">
-            <a:extLst>
-              <a:ext uri="{FF2B5EF4-FFF2-40B4-BE49-F238E27FC236}">
-                <a16:creationId xmlns:a16="http://schemas.microsoft.com/office/drawing/2014/main" id="{36948816-206B-D873-43ED-4A206E5EE9F4}"/>
+          <p:cNvPr id="10" name="TextBox 9">
+            <a:extLst>
+              <a:ext uri="{FF2B5EF4-FFF2-40B4-BE49-F238E27FC236}">
+                <a16:creationId xmlns:a16="http://schemas.microsoft.com/office/drawing/2014/main" id="{01174BC2-7A1A-CEEB-C0B0-5AA9A8B36211}"/>
               </a:ext>
             </a:extLst>
           </p:cNvPr>
@@ -4102,8 +4102,8 @@
         </p:nvSpPr>
         <p:spPr>
           <a:xfrm>
-            <a:off x="795726" y="1452570"/>
-            <a:ext cx="9651294" cy="1846659"/>
+            <a:off x="682748" y="2302527"/>
+            <a:ext cx="10265547" cy="3354765"/>
           </a:xfrm>
           <a:prstGeom prst="rect">
             <a:avLst/>
@@ -4118,16 +4118,43 @@
           <a:p>
             <a:pPr latinLnBrk="1"/>
             <a:r>
-              <a:rPr lang="en-GB" sz="2000" dirty="0"/>
-              <a:t>The Limitations of</a:t>
-            </a:r>
-            <a:r>
-              <a:rPr lang="zh-CN" altLang="en-US" sz="2000" dirty="0"/>
-              <a:t> </a:t>
-            </a:r>
-            <a:r>
-              <a:rPr lang="en-GB" sz="2000" dirty="0"/>
-              <a:t>User-Based Collaborative Filtering and Group Recommendations</a:t>
+              <a:rPr lang="en-GB" sz="2400" b="1" dirty="0"/>
+              <a:t>Problems?</a:t>
+            </a:r>
+          </a:p>
+          <a:p>
+            <a:pPr latinLnBrk="1"/>
+            <a:r>
+              <a:rPr lang="en-GB" sz="2400" dirty="0"/>
+              <a:t>- Average: Treats all users equally every round</a:t>
+            </a:r>
+          </a:p>
+          <a:p>
+            <a:pPr latinLnBrk="1"/>
+            <a:r>
+              <a:rPr lang="en-GB" sz="2400" dirty="0"/>
+              <a:t>  → Minority users consistently unsatisfied</a:t>
+            </a:r>
+          </a:p>
+          <a:p>
+            <a:pPr latinLnBrk="1"/>
+            <a:r>
+              <a:rPr lang="en-GB" sz="2400" dirty="0"/>
+              <a:t>  </a:t>
+            </a:r>
+          </a:p>
+          <a:p>
+            <a:pPr latinLnBrk="1"/>
+            <a:r>
+              <a:rPr lang="en-GB" sz="2400" dirty="0"/>
+              <a:t>- Least Misery: Always focuses on least satisfied user</a:t>
+            </a:r>
+          </a:p>
+          <a:p>
+            <a:pPr latinLnBrk="1"/>
+            <a:r>
+              <a:rPr lang="en-GB" sz="2400" dirty="0"/>
+              <a:t>  → Lower overall group satisfaction</a:t>
             </a:r>
           </a:p>
           <a:p>
@@ -4137,161 +4164,54 @@
           <a:p>
             <a:pPr latinLnBrk="1"/>
             <a:r>
-              <a:rPr lang="en-GB" b="1" dirty="0"/>
-              <a:t>Example</a:t>
-            </a:r>
-            <a:r>
-              <a:rPr lang="en-GB" dirty="0"/>
-              <a:t>: Movie 1276 predictions</a:t>
+              <a:rPr lang="en-GB" sz="2400" b="1" dirty="0"/>
+              <a:t>New challenge:</a:t>
             </a:r>
           </a:p>
           <a:p>
             <a:pPr latinLnBrk="1"/>
             <a:r>
-              <a:rPr lang="en-GB" dirty="0"/>
-              <a:t>• System predicts User 1 would rate it: </a:t>
-            </a:r>
-            <a:r>
-              <a:rPr lang="en-GB" dirty="0">
-                <a:solidFill>
-                  <a:srgbClr val="FF0000"/>
-                </a:solidFill>
-              </a:rPr>
-              <a:t>5.00</a:t>
-            </a:r>
-          </a:p>
-          <a:p>
-            <a:pPr latinLnBrk="1"/>
-            <a:r>
-              <a:rPr lang="en-GB" dirty="0"/>
-              <a:t>• System predicts User 2 would rate it: </a:t>
-            </a:r>
-            <a:r>
-              <a:rPr lang="en-GB" dirty="0">
-                <a:solidFill>
-                  <a:srgbClr val="FF0000"/>
-                </a:solidFill>
-              </a:rPr>
-              <a:t>3.76</a:t>
-            </a:r>
-          </a:p>
-          <a:p>
-            <a:pPr latinLnBrk="1"/>
-            <a:r>
-              <a:rPr lang="en-GB" dirty="0"/>
-              <a:t>• D</a:t>
+              <a:rPr lang="en-GB" sz="2400" dirty="0"/>
+              <a:t>How to ensure fairness across MULTIPLE rounds without sacrificing quality</a:t>
             </a:r>
             <a:r>
               <a:rPr lang="en-GB" sz="2000" dirty="0"/>
-              <a:t>isagreement : </a:t>
-            </a:r>
-            <a:r>
-              <a:rPr lang="en-GB" sz="2000" dirty="0">
-                <a:solidFill>
-                  <a:srgbClr val="FF0000"/>
-                </a:solidFill>
-              </a:rPr>
-              <a:t>1.24</a:t>
-            </a:r>
-          </a:p>
-        </p:txBody>
-      </p:sp>
-      <p:sp>
-        <p:nvSpPr>
-          <p:cNvPr id="10" name="TextBox 9">
-            <a:extLst>
-              <a:ext uri="{FF2B5EF4-FFF2-40B4-BE49-F238E27FC236}">
-                <a16:creationId xmlns:a16="http://schemas.microsoft.com/office/drawing/2014/main" id="{01174BC2-7A1A-CEEB-C0B0-5AA9A8B36211}"/>
-              </a:ext>
-            </a:extLst>
-          </p:cNvPr>
-          <p:cNvSpPr txBox="1"/>
+              <a:t>?</a:t>
+            </a:r>
+            <a:endParaRPr lang="en-FI" dirty="0"/>
+          </a:p>
+        </p:txBody>
+      </p:sp>
+      <p:pic>
+        <p:nvPicPr>
+          <p:cNvPr id="4" name="Picture 3">
+            <a:extLst>
+              <a:ext uri="{FF2B5EF4-FFF2-40B4-BE49-F238E27FC236}">
+                <a16:creationId xmlns:a16="http://schemas.microsoft.com/office/drawing/2014/main" id="{B9E7DFE4-3341-2E96-6641-2F060F586A69}"/>
+              </a:ext>
+            </a:extLst>
+          </p:cNvPr>
+          <p:cNvPicPr>
+            <a:picLocks noChangeAspect="1"/>
+          </p:cNvPicPr>
           <p:nvPr/>
-        </p:nvSpPr>
+        </p:nvPicPr>
+        <p:blipFill>
+          <a:blip r:embed="rId3"/>
+          <a:stretch>
+            <a:fillRect/>
+          </a:stretch>
+        </p:blipFill>
         <p:spPr>
           <a:xfrm>
-            <a:off x="795726" y="3558772"/>
-            <a:ext cx="9342684" cy="2831544"/>
+            <a:off x="8191615" y="2991911"/>
+            <a:ext cx="3119711" cy="1975996"/>
           </a:xfrm>
           <a:prstGeom prst="rect">
             <a:avLst/>
           </a:prstGeom>
-          <a:noFill/>
         </p:spPr>
-        <p:txBody>
-          <a:bodyPr wrap="square" rtlCol="0">
-            <a:spAutoFit/>
-          </a:bodyPr>
-          <a:lstStyle/>
-          <a:p>
-            <a:pPr latinLnBrk="1"/>
-            <a:r>
-              <a:rPr lang="en-GB" b="1" dirty="0"/>
-              <a:t>Challenges:</a:t>
-            </a:r>
-          </a:p>
-          <a:p>
-            <a:pPr latinLnBrk="1"/>
-            <a:r>
-              <a:rPr lang="en-GB" dirty="0"/>
-              <a:t>• Average method and Least misery methods don't learn from previous recommendations</a:t>
-            </a:r>
-          </a:p>
-          <a:p>
-            <a:pPr latinLnBrk="1"/>
-            <a:r>
-              <a:rPr lang="en-GB" dirty="0"/>
-              <a:t>• Some users stay unhappy over multiple rounds</a:t>
-            </a:r>
-          </a:p>
-          <a:p>
-            <a:pPr latinLnBrk="1"/>
-            <a:r>
-              <a:rPr lang="en-GB" dirty="0"/>
-              <a:t>• No adaptation to group dynamics</a:t>
-            </a:r>
-          </a:p>
-          <a:p>
-            <a:pPr latinLnBrk="1"/>
-            <a:endParaRPr lang="en-GB" dirty="0"/>
-          </a:p>
-          <a:p>
-            <a:pPr latinLnBrk="1"/>
-            <a:r>
-              <a:rPr lang="en-GB" b="1" dirty="0"/>
-              <a:t>Solution: </a:t>
-            </a:r>
-            <a:r>
-              <a:rPr lang="en-GB" dirty="0"/>
-              <a:t>SDAA framework</a:t>
-            </a:r>
-          </a:p>
-          <a:p>
-            <a:pPr latinLnBrk="1"/>
-            <a:r>
-              <a:rPr lang="en-GB" dirty="0"/>
-              <a:t>• Recommends movies over multiple rounds</a:t>
-            </a:r>
-          </a:p>
-          <a:p>
-            <a:pPr latinLnBrk="1"/>
-            <a:r>
-              <a:rPr lang="en-GB" dirty="0"/>
-              <a:t>• Adjusts strategy based on user satisfaction</a:t>
-            </a:r>
-          </a:p>
-          <a:p>
-            <a:pPr latinLnBrk="1"/>
-            <a:r>
-              <a:rPr lang="en-GB" dirty="0"/>
-              <a:t>• Balances group happiness and individual fairness</a:t>
-            </a:r>
-          </a:p>
-          <a:p>
-            <a:endParaRPr lang="en-FI" sz="1600" dirty="0"/>
-          </a:p>
-        </p:txBody>
-      </p:sp>
+      </p:pic>
     </p:spTree>
     <p:extLst>
       <p:ext uri="{BB962C8B-B14F-4D97-AF65-F5344CB8AC3E}">
@@ -4370,7 +4290,7 @@
         </p:nvSpPr>
         <p:spPr>
           <a:xfrm>
-            <a:off x="702629" y="582353"/>
+            <a:off x="638207" y="305295"/>
             <a:ext cx="10515600" cy="1325563"/>
           </a:xfrm>
         </p:spPr>
@@ -4382,60 +4302,38 @@
           <a:p>
             <a:pPr latinLnBrk="1"/>
             <a:r>
+              <a:rPr lang="en-GB" sz="3600" b="1" dirty="0"/>
+              <a:t>SDAA Method Design</a:t>
+            </a:r>
+            <a:r>
+              <a:rPr lang="zh-CN" altLang="en-US" sz="3600" b="1" dirty="0"/>
+              <a:t> </a:t>
+            </a:r>
+            <a:r>
               <a:rPr lang="en-GB" sz="3600" dirty="0"/>
-              <a:t>SDAA Implementation</a:t>
-            </a:r>
-            <a:endParaRPr lang="en-GB" sz="2400" dirty="0"/>
-          </a:p>
-        </p:txBody>
-      </p:sp>
-      <p:pic>
-        <p:nvPicPr>
-          <p:cNvPr id="12" name="Picture 11">
-            <a:extLst>
-              <a:ext uri="{FF2B5EF4-FFF2-40B4-BE49-F238E27FC236}">
-                <a16:creationId xmlns:a16="http://schemas.microsoft.com/office/drawing/2014/main" id="{7FAA45A0-010C-4811-F3D9-1C03FC7B28CC}"/>
-              </a:ext>
-            </a:extLst>
-          </p:cNvPr>
-          <p:cNvPicPr>
-            <a:picLocks noChangeAspect="1"/>
-          </p:cNvPicPr>
+              <a:t>(from SQUIRREL Framework)</a:t>
+            </a:r>
+            <a:endParaRPr lang="en-GB" sz="2400" b="1" dirty="0"/>
+          </a:p>
+        </p:txBody>
+      </p:sp>
+      <p:sp>
+        <p:nvSpPr>
+          <p:cNvPr id="14" name="Content Placeholder 2">
+            <a:extLst>
+              <a:ext uri="{FF2B5EF4-FFF2-40B4-BE49-F238E27FC236}">
+                <a16:creationId xmlns:a16="http://schemas.microsoft.com/office/drawing/2014/main" id="{62314834-107A-67CC-E5D3-8C210DD9D9AD}"/>
+              </a:ext>
+            </a:extLst>
+          </p:cNvPr>
+          <p:cNvSpPr txBox="1">
+            <a:spLocks/>
+          </p:cNvSpPr>
           <p:nvPr/>
-        </p:nvPicPr>
-        <p:blipFill>
-          <a:blip r:embed="rId3"/>
-          <a:stretch>
-            <a:fillRect/>
-          </a:stretch>
-        </p:blipFill>
+        </p:nvSpPr>
         <p:spPr>
           <a:xfrm>
-            <a:off x="1180474" y="4844207"/>
-            <a:ext cx="6851892" cy="1056071"/>
-          </a:xfrm>
-          <a:prstGeom prst="rect">
-            <a:avLst/>
-          </a:prstGeom>
-        </p:spPr>
-      </p:pic>
-      <p:sp>
-        <p:nvSpPr>
-          <p:cNvPr id="14" name="Content Placeholder 2">
-            <a:extLst>
-              <a:ext uri="{FF2B5EF4-FFF2-40B4-BE49-F238E27FC236}">
-                <a16:creationId xmlns:a16="http://schemas.microsoft.com/office/drawing/2014/main" id="{62314834-107A-67CC-E5D3-8C210DD9D9AD}"/>
-              </a:ext>
-            </a:extLst>
-          </p:cNvPr>
-          <p:cNvSpPr txBox="1">
-            <a:spLocks/>
-          </p:cNvSpPr>
-          <p:nvPr/>
-        </p:nvSpPr>
-        <p:spPr>
-          <a:xfrm>
-            <a:off x="597698" y="1630858"/>
+            <a:off x="466239" y="1372675"/>
             <a:ext cx="11259522" cy="4988513"/>
           </a:xfrm>
           <a:prstGeom prst="rect">
@@ -4611,28 +4509,12 @@
             </a:lvl9pPr>
           </a:lstStyle>
           <a:p>
-            <a:pPr marL="0" indent="0">
-              <a:buNone/>
+            <a:pPr marL="457200" indent="-457200">
+              <a:buAutoNum type="arabicPeriod"/>
             </a:pPr>
             <a:r>
-              <a:rPr lang="en-US" altLang="zh-CN" sz="2400" dirty="0"/>
-              <a:t>1st </a:t>
-            </a:r>
-            <a:r>
               <a:rPr lang="en-GB" sz="2400" dirty="0"/>
-              <a:t>satisfaction scores</a:t>
-            </a:r>
-            <a:r>
-              <a:rPr lang="en-US" altLang="zh-CN" sz="2400" dirty="0"/>
-              <a:t>:</a:t>
-            </a:r>
-            <a:r>
-              <a:rPr lang="zh-CN" altLang="en-US" sz="2400" dirty="0"/>
-              <a:t> </a:t>
-            </a:r>
-            <a:r>
-              <a:rPr lang="en-GB" sz="2400" dirty="0"/>
-              <a:t>Decides which movies to recommend to the group</a:t>
+              <a:t>Track cumulative satisfaction for each user </a:t>
             </a:r>
           </a:p>
           <a:p>
@@ -4642,87 +4524,96 @@
             <a:endParaRPr lang="en-GB" sz="2400" dirty="0"/>
           </a:p>
           <a:p>
+            <a:pPr marL="457200" indent="-457200">
+              <a:buAutoNum type="arabicPeriod" startAt="2"/>
+            </a:pPr>
+            <a:r>
+              <a:rPr lang="en-GB" sz="2400" dirty="0"/>
+              <a:t>Calculate fairness weights</a:t>
+            </a:r>
+          </a:p>
+          <a:p>
             <a:pPr marL="0" indent="0">
-              <a:buFont typeface="Arial" panose="020B0604020202020204" pitchFamily="34" charset="0"/>
               <a:buNone/>
             </a:pPr>
-            <a:endParaRPr lang="en-US" altLang="zh-CN" sz="2400" dirty="0"/>
-          </a:p>
-          <a:p>
-            <a:pPr marL="0" indent="0" latinLnBrk="1">
+            <a:endParaRPr lang="en-GB" sz="2400" dirty="0"/>
+          </a:p>
+          <a:p>
+            <a:pPr marL="0" indent="0">
               <a:buNone/>
             </a:pPr>
             <a:r>
-              <a:rPr lang="en-US" sz="2400" dirty="0"/>
-              <a:t>2nd </a:t>
-            </a:r>
-            <a:r>
               <a:rPr lang="en-GB" sz="2400" dirty="0"/>
-              <a:t>Alpha Adaptation </a:t>
-            </a:r>
-            <a:r>
-              <a:rPr lang="en-US" altLang="zh-CN" sz="2400" dirty="0"/>
-              <a:t>:</a:t>
+              <a:t>3. </a:t>
             </a:r>
             <a:r>
               <a:rPr lang="zh-CN" altLang="en-US" sz="2400" dirty="0"/>
-              <a:t> </a:t>
+              <a:t>  </a:t>
             </a:r>
             <a:r>
               <a:rPr lang="en-GB" sz="2400" dirty="0"/>
-              <a:t>Measures how unfair the previous round was</a:t>
+              <a:t>Blend Average and Least Misery </a:t>
             </a:r>
           </a:p>
           <a:p>
             <a:pPr marL="0" indent="0">
-              <a:buFont typeface="Arial" panose="020B0604020202020204" pitchFamily="34" charset="0"/>
               <a:buNone/>
             </a:pPr>
-            <a:endParaRPr lang="en-GB" altLang="zh-CN" sz="2400" dirty="0"/>
+            <a:endParaRPr lang="en-GB" sz="2400" dirty="0"/>
           </a:p>
           <a:p>
             <a:pPr marL="0" indent="0">
-              <a:buFont typeface="Arial" panose="020B0604020202020204" pitchFamily="34" charset="0"/>
               <a:buNone/>
             </a:pPr>
-            <a:endParaRPr lang="en-US" altLang="zh-CN" sz="2400" dirty="0"/>
-          </a:p>
-          <a:p>
-            <a:pPr marL="0" indent="0" latinLnBrk="1">
+            <a:endParaRPr lang="en-GB" sz="2400" dirty="0"/>
+          </a:p>
+          <a:p>
+            <a:pPr marL="0" indent="0">
               <a:buNone/>
             </a:pPr>
             <a:r>
               <a:rPr lang="en-GB" sz="2400" dirty="0"/>
-              <a:t>3rd Reward Evaluation</a:t>
-            </a:r>
-            <a:r>
-              <a:rPr lang="en-US" altLang="zh-CN" sz="2400" dirty="0"/>
-              <a:t>:</a:t>
-            </a:r>
-            <a:r>
-              <a:rPr lang="zh-CN" altLang="en-US" sz="2400" dirty="0"/>
-              <a:t> </a:t>
-            </a:r>
-            <a:r>
-              <a:rPr lang="en-GB" sz="2400" dirty="0"/>
-              <a:t>Balances group satisfaction and fairness </a:t>
-            </a:r>
-          </a:p>
-          <a:p>
-            <a:pPr marL="0" indent="0">
-              <a:buFont typeface="Arial" panose="020B0604020202020204" pitchFamily="34" charset="0"/>
-              <a:buNone/>
-            </a:pPr>
-            <a:endParaRPr lang="en-FI" sz="2400" dirty="0"/>
+              <a:t>4. Adapt dynamically each round with Reward Function</a:t>
+            </a:r>
           </a:p>
         </p:txBody>
       </p:sp>
       <p:pic>
         <p:nvPicPr>
-          <p:cNvPr id="21" name="Picture 20">
-            <a:extLst>
-              <a:ext uri="{FF2B5EF4-FFF2-40B4-BE49-F238E27FC236}">
-                <a16:creationId xmlns:a16="http://schemas.microsoft.com/office/drawing/2014/main" id="{4F6A2666-D701-9BE5-B950-CC1F9BE4C9EE}"/>
+          <p:cNvPr id="3" name="Picture 2">
+            <a:extLst>
+              <a:ext uri="{FF2B5EF4-FFF2-40B4-BE49-F238E27FC236}">
+                <a16:creationId xmlns:a16="http://schemas.microsoft.com/office/drawing/2014/main" id="{45732D61-7043-8768-9382-FFD00483871E}"/>
+              </a:ext>
+            </a:extLst>
+          </p:cNvPr>
+          <p:cNvPicPr>
+            <a:picLocks noChangeAspect="1"/>
+          </p:cNvPicPr>
+          <p:nvPr/>
+        </p:nvPicPr>
+        <p:blipFill>
+          <a:blip r:embed="rId3"/>
+          <a:stretch>
+            <a:fillRect/>
+          </a:stretch>
+        </p:blipFill>
+        <p:spPr>
+          <a:xfrm>
+            <a:off x="6896547" y="1257300"/>
+            <a:ext cx="3150798" cy="675171"/>
+          </a:xfrm>
+          <a:prstGeom prst="rect">
+            <a:avLst/>
+          </a:prstGeom>
+        </p:spPr>
+      </p:pic>
+      <p:pic>
+        <p:nvPicPr>
+          <p:cNvPr id="4" name="Picture 3">
+            <a:extLst>
+              <a:ext uri="{FF2B5EF4-FFF2-40B4-BE49-F238E27FC236}">
+                <a16:creationId xmlns:a16="http://schemas.microsoft.com/office/drawing/2014/main" id="{ABD60362-1FE7-54A6-5CAF-67E5ECDC99C0}"/>
               </a:ext>
             </a:extLst>
           </p:cNvPr>
@@ -4739,8 +4630,8 @@
         </p:blipFill>
         <p:spPr>
           <a:xfrm>
-            <a:off x="1030573" y="2184975"/>
-            <a:ext cx="7772400" cy="466778"/>
+            <a:off x="4567170" y="2245277"/>
+            <a:ext cx="4127750" cy="675171"/>
           </a:xfrm>
           <a:prstGeom prst="rect">
             <a:avLst/>
@@ -4749,10 +4640,10 @@
       </p:pic>
       <p:pic>
         <p:nvPicPr>
-          <p:cNvPr id="22" name="Picture 21">
-            <a:extLst>
-              <a:ext uri="{FF2B5EF4-FFF2-40B4-BE49-F238E27FC236}">
-                <a16:creationId xmlns:a16="http://schemas.microsoft.com/office/drawing/2014/main" id="{D9DC0F78-2487-0B8D-A31B-30381CF31263}"/>
+          <p:cNvPr id="6" name="Picture 5">
+            <a:extLst>
+              <a:ext uri="{FF2B5EF4-FFF2-40B4-BE49-F238E27FC236}">
+                <a16:creationId xmlns:a16="http://schemas.microsoft.com/office/drawing/2014/main" id="{E4CD3AF8-4B95-48D4-D6F3-9623E10E5DE6}"/>
               </a:ext>
             </a:extLst>
           </p:cNvPr>
@@ -4769,14 +4660,148 @@
         </p:blipFill>
         <p:spPr>
           <a:xfrm>
-            <a:off x="1180474" y="3432696"/>
-            <a:ext cx="7139066" cy="692418"/>
+            <a:off x="1003596" y="3723249"/>
+            <a:ext cx="7468350" cy="545547"/>
           </a:xfrm>
           <a:prstGeom prst="rect">
             <a:avLst/>
           </a:prstGeom>
         </p:spPr>
       </p:pic>
+      <p:pic>
+        <p:nvPicPr>
+          <p:cNvPr id="7" name="Picture 6">
+            <a:extLst>
+              <a:ext uri="{FF2B5EF4-FFF2-40B4-BE49-F238E27FC236}">
+                <a16:creationId xmlns:a16="http://schemas.microsoft.com/office/drawing/2014/main" id="{F3BBC994-E66B-8703-1135-370DD6FBCA90}"/>
+              </a:ext>
+            </a:extLst>
+          </p:cNvPr>
+          <p:cNvPicPr>
+            <a:picLocks noChangeAspect="1"/>
+          </p:cNvPicPr>
+          <p:nvPr/>
+        </p:nvPicPr>
+        <p:blipFill>
+          <a:blip r:embed="rId6"/>
+          <a:stretch>
+            <a:fillRect/>
+          </a:stretch>
+        </p:blipFill>
+        <p:spPr>
+          <a:xfrm>
+            <a:off x="832995" y="5114453"/>
+            <a:ext cx="5342674" cy="787504"/>
+          </a:xfrm>
+          <a:prstGeom prst="rect">
+            <a:avLst/>
+          </a:prstGeom>
+        </p:spPr>
+      </p:pic>
+      <p:sp>
+        <p:nvSpPr>
+          <p:cNvPr id="8" name="TextBox 7">
+            <a:extLst>
+              <a:ext uri="{FF2B5EF4-FFF2-40B4-BE49-F238E27FC236}">
+                <a16:creationId xmlns:a16="http://schemas.microsoft.com/office/drawing/2014/main" id="{FEFCCECA-4414-2CAB-8418-917323ECF23B}"/>
+              </a:ext>
+            </a:extLst>
+          </p:cNvPr>
+          <p:cNvSpPr txBox="1"/>
+          <p:nvPr/>
+        </p:nvSpPr>
+        <p:spPr>
+          <a:xfrm>
+            <a:off x="8790785" y="2428973"/>
+            <a:ext cx="2839111" cy="307777"/>
+          </a:xfrm>
+          <a:prstGeom prst="rect">
+            <a:avLst/>
+          </a:prstGeom>
+          <a:noFill/>
+        </p:spPr>
+        <p:txBody>
+          <a:bodyPr wrap="none" rtlCol="0">
+            <a:spAutoFit/>
+          </a:bodyPr>
+          <a:lstStyle/>
+          <a:p>
+            <a:r>
+              <a:rPr lang="en-GB" sz="1400" dirty="0">
+                <a:solidFill>
+                  <a:srgbClr val="FF0000"/>
+                </a:solidFill>
+              </a:rPr>
+              <a:t>Lower satisfaction → Higher weight</a:t>
+            </a:r>
+            <a:endParaRPr lang="en-FI" sz="1400" dirty="0">
+              <a:solidFill>
+                <a:srgbClr val="FF0000"/>
+              </a:solidFill>
+            </a:endParaRPr>
+          </a:p>
+        </p:txBody>
+      </p:sp>
+      <p:sp>
+        <p:nvSpPr>
+          <p:cNvPr id="9" name="TextBox 8">
+            <a:extLst>
+              <a:ext uri="{FF2B5EF4-FFF2-40B4-BE49-F238E27FC236}">
+                <a16:creationId xmlns:a16="http://schemas.microsoft.com/office/drawing/2014/main" id="{0296BB95-1563-FD74-5663-800A6B671F23}"/>
+              </a:ext>
+            </a:extLst>
+          </p:cNvPr>
+          <p:cNvSpPr txBox="1"/>
+          <p:nvPr/>
+        </p:nvSpPr>
+        <p:spPr>
+          <a:xfrm>
+            <a:off x="8509058" y="3787226"/>
+            <a:ext cx="2849947" cy="338554"/>
+          </a:xfrm>
+          <a:prstGeom prst="rect">
+            <a:avLst/>
+          </a:prstGeom>
+          <a:noFill/>
+        </p:spPr>
+        <p:txBody>
+          <a:bodyPr wrap="none" rtlCol="0">
+            <a:spAutoFit/>
+          </a:bodyPr>
+          <a:lstStyle/>
+          <a:p>
+            <a:r>
+              <a:rPr lang="en-US" sz="1600" dirty="0">
+                <a:solidFill>
+                  <a:srgbClr val="FF0000"/>
+                </a:solidFill>
+              </a:rPr>
+              <a:t>Here  </a:t>
+            </a:r>
+            <a:r>
+              <a:rPr lang="el-GR" sz="1600" dirty="0">
+                <a:solidFill>
+                  <a:srgbClr val="FF0000"/>
+                </a:solidFill>
+              </a:rPr>
+              <a:t>α = </a:t>
+            </a:r>
+            <a:r>
+              <a:rPr lang="en-GB" sz="1600" dirty="0">
+                <a:solidFill>
+                  <a:srgbClr val="FF0000"/>
+                </a:solidFill>
+              </a:rPr>
+              <a:t>satisfaction disparity</a:t>
+            </a:r>
+            <a:endParaRPr lang="en-FI" sz="1600" dirty="0">
+              <a:solidFill>
+                <a:srgbClr val="FF0000"/>
+              </a:solidFill>
+            </a:endParaRPr>
+          </a:p>
+        </p:txBody>
+      </p:sp>
     </p:spTree>
     <p:extLst>
       <p:ext uri="{BB962C8B-B14F-4D97-AF65-F5344CB8AC3E}">
@@ -4795,7 +4820,13 @@
   <p:cSld>
     <p:spTree>
       <p:nvGrpSpPr>
-        <p:cNvPr id="1" name=""/>
+        <p:cNvPr id="1" name="">
+          <a:extLst>
+            <a:ext uri="{FF2B5EF4-FFF2-40B4-BE49-F238E27FC236}">
+              <a16:creationId xmlns:a16="http://schemas.microsoft.com/office/drawing/2014/main" id="{98078A8D-B974-CA0C-E6A5-10848DBAC1B9}"/>
+            </a:ext>
+          </a:extLst>
+        </p:cNvPr>
         <p:cNvGrpSpPr/>
         <p:nvPr/>
       </p:nvGrpSpPr>
@@ -4809,10 +4840,10 @@
       </p:grpSpPr>
       <p:pic>
         <p:nvPicPr>
-          <p:cNvPr id="4" name="Picture 3">
-            <a:extLst>
-              <a:ext uri="{FF2B5EF4-FFF2-40B4-BE49-F238E27FC236}">
-                <a16:creationId xmlns:a16="http://schemas.microsoft.com/office/drawing/2014/main" id="{8F604309-E3D9-902A-373A-98D45C7A92E1}"/>
+          <p:cNvPr id="5" name="Picture 4">
+            <a:extLst>
+              <a:ext uri="{FF2B5EF4-FFF2-40B4-BE49-F238E27FC236}">
+                <a16:creationId xmlns:a16="http://schemas.microsoft.com/office/drawing/2014/main" id="{DEFDFCE0-27A7-41B9-2F12-660BC7C0AD3A}"/>
               </a:ext>
             </a:extLst>
           </p:cNvPr>
@@ -4842,7 +4873,7 @@
           <p:cNvPr id="2" name="Title 1">
             <a:extLst>
               <a:ext uri="{FF2B5EF4-FFF2-40B4-BE49-F238E27FC236}">
-                <a16:creationId xmlns:a16="http://schemas.microsoft.com/office/drawing/2014/main" id="{F9E38FE6-37EF-5475-5C94-B987CB8025CF}"/>
+                <a16:creationId xmlns:a16="http://schemas.microsoft.com/office/drawing/2014/main" id="{2BAD3B0A-B937-C970-799A-9DC3074E7965}"/>
               </a:ext>
             </a:extLst>
           </p:cNvPr>
@@ -4855,155 +4886,48 @@
         </p:nvSpPr>
         <p:spPr>
           <a:xfrm>
-            <a:off x="838200" y="698828"/>
-            <a:ext cx="10515600" cy="1325563"/>
+            <a:off x="585697" y="586682"/>
+            <a:ext cx="6761033" cy="1325563"/>
           </a:xfrm>
         </p:spPr>
         <p:txBody>
-          <a:bodyPr/>
+          <a:bodyPr>
+            <a:normAutofit/>
+          </a:bodyPr>
           <a:lstStyle/>
           <a:p>
             <a:pPr latinLnBrk="1"/>
             <a:r>
-              <a:rPr lang="en-GB" dirty="0"/>
-              <a:t>How Alpha </a:t>
-            </a:r>
-            <a:r>
-              <a:rPr lang="en-US" altLang="zh-CN" dirty="0"/>
-              <a:t>a</a:t>
-            </a:r>
-            <a:r>
-              <a:rPr lang="en-GB" dirty="0" err="1"/>
-              <a:t>dapts</a:t>
-            </a:r>
-            <a:r>
-              <a:rPr lang="en-GB" dirty="0"/>
-              <a:t> </a:t>
-            </a:r>
-            <a:r>
-              <a:rPr lang="en-US" altLang="zh-CN" dirty="0"/>
-              <a:t>s</a:t>
-            </a:r>
-            <a:r>
-              <a:rPr lang="en-GB" dirty="0" err="1"/>
-              <a:t>trategy</a:t>
-            </a:r>
-            <a:r>
-              <a:rPr lang="zh-CN" altLang="en-US" dirty="0"/>
-              <a:t> </a:t>
-            </a:r>
-            <a:r>
-              <a:rPr lang="en-US" altLang="zh-CN" dirty="0"/>
-              <a:t>:</a:t>
-            </a:r>
-            <a:endParaRPr lang="en-GB" dirty="0"/>
-          </a:p>
-        </p:txBody>
-      </p:sp>
-      <p:sp>
-        <p:nvSpPr>
-          <p:cNvPr id="3" name="Content Placeholder 2">
-            <a:extLst>
-              <a:ext uri="{FF2B5EF4-FFF2-40B4-BE49-F238E27FC236}">
-                <a16:creationId xmlns:a16="http://schemas.microsoft.com/office/drawing/2014/main" id="{DE41C366-CCD5-4F2F-AB2F-6DA710C73392}"/>
-              </a:ext>
-            </a:extLst>
-          </p:cNvPr>
-          <p:cNvSpPr>
-            <a:spLocks noGrp="1"/>
-          </p:cNvSpPr>
-          <p:nvPr>
-            <p:ph idx="1"/>
-          </p:nvPr>
+              <a:rPr lang="en-GB" sz="4000" b="1" dirty="0"/>
+              <a:t>Testing users </a:t>
+            </a:r>
+            <a:r>
+              <a:rPr lang="en-FI" dirty="0"/>
+              <a:t>[1, 414, 599]</a:t>
+            </a:r>
+            <a:br>
+              <a:rPr lang="en-FI" dirty="0"/>
+            </a:br>
+            <a:endParaRPr lang="en-GB" sz="4000" b="1" dirty="0"/>
+          </a:p>
+        </p:txBody>
+      </p:sp>
+      <p:sp>
+        <p:nvSpPr>
+          <p:cNvPr id="10" name="TextBox 9">
+            <a:extLst>
+              <a:ext uri="{FF2B5EF4-FFF2-40B4-BE49-F238E27FC236}">
+                <a16:creationId xmlns:a16="http://schemas.microsoft.com/office/drawing/2014/main" id="{5B9670AC-516E-60D7-DF22-A33364F75BF6}"/>
+              </a:ext>
+            </a:extLst>
+          </p:cNvPr>
+          <p:cNvSpPr txBox="1"/>
+          <p:nvPr/>
         </p:nvSpPr>
         <p:spPr>
           <a:xfrm>
-            <a:off x="838200" y="3250344"/>
-            <a:ext cx="10515600" cy="780754"/>
-          </a:xfrm>
-        </p:spPr>
-        <p:txBody>
-          <a:bodyPr>
-            <a:noAutofit/>
-          </a:bodyPr>
-          <a:lstStyle/>
-          <a:p>
-            <a:pPr latinLnBrk="1"/>
-            <a:endParaRPr lang="en-GB" sz="2400" dirty="0"/>
-          </a:p>
-          <a:p>
-            <a:pPr latinLnBrk="1"/>
-            <a:r>
-              <a:rPr lang="en-GB" sz="2400" dirty="0"/>
-              <a:t>Project result:</a:t>
-            </a:r>
-          </a:p>
-          <a:p>
-            <a:pPr latinLnBrk="1"/>
-            <a:r>
-              <a:rPr lang="en-GB" sz="2400" dirty="0"/>
-              <a:t>Round 1: </a:t>
-            </a:r>
-            <a:r>
-              <a:rPr lang="el-GR" sz="2400" dirty="0"/>
-              <a:t>α = 0.2765 → 72% </a:t>
-            </a:r>
-            <a:r>
-              <a:rPr lang="en-GB" sz="2400" dirty="0"/>
-              <a:t>Average, 28% Least Misery</a:t>
-            </a:r>
-          </a:p>
-          <a:p>
-            <a:pPr latinLnBrk="1"/>
-            <a:r>
-              <a:rPr lang="en-GB" sz="2400" dirty="0"/>
-              <a:t>Round 2: </a:t>
-            </a:r>
-            <a:r>
-              <a:rPr lang="el-GR" sz="2400" dirty="0"/>
-              <a:t>α = 0.4216 → 58% </a:t>
-            </a:r>
-            <a:r>
-              <a:rPr lang="en-GB" sz="2400" dirty="0"/>
-              <a:t>Average, 42% Least Misery  </a:t>
-            </a:r>
-          </a:p>
-          <a:p>
-            <a:pPr latinLnBrk="1"/>
-            <a:r>
-              <a:rPr lang="en-GB" sz="2400" dirty="0"/>
-              <a:t>Round 3: </a:t>
-            </a:r>
-            <a:r>
-              <a:rPr lang="el-GR" sz="2400" dirty="0"/>
-              <a:t>α = 0.4415 → 56% </a:t>
-            </a:r>
-            <a:r>
-              <a:rPr lang="en-GB" sz="2400" dirty="0"/>
-              <a:t>Average, 44% Least Misery</a:t>
-            </a:r>
-          </a:p>
-          <a:p>
-            <a:endParaRPr lang="en-FI" sz="2400" dirty="0"/>
-          </a:p>
-        </p:txBody>
-      </p:sp>
-      <p:sp>
-        <p:nvSpPr>
-          <p:cNvPr id="9" name="TextBox 8">
-            <a:extLst>
-              <a:ext uri="{FF2B5EF4-FFF2-40B4-BE49-F238E27FC236}">
-                <a16:creationId xmlns:a16="http://schemas.microsoft.com/office/drawing/2014/main" id="{9E0CE68D-468D-8749-8957-FECFA2BAB5CE}"/>
-              </a:ext>
-            </a:extLst>
-          </p:cNvPr>
-          <p:cNvSpPr txBox="1"/>
-          <p:nvPr/>
-        </p:nvSpPr>
-        <p:spPr>
-          <a:xfrm>
-            <a:off x="838200" y="2255726"/>
-            <a:ext cx="10734207" cy="1384995"/>
+            <a:off x="637968" y="1443840"/>
+            <a:ext cx="11554031" cy="4708981"/>
           </a:xfrm>
           <a:prstGeom prst="rect">
             <a:avLst/>
@@ -5016,44 +4940,123 @@
           </a:bodyPr>
           <a:lstStyle/>
           <a:p>
-            <a:pPr latinLnBrk="1"/>
-            <a:r>
-              <a:rPr lang="en-GB" sz="2800" dirty="0"/>
-              <a:t>Small </a:t>
-            </a:r>
-            <a:r>
-              <a:rPr lang="el-GR" sz="2800" dirty="0"/>
-              <a:t>α</a:t>
-            </a:r>
-            <a:r>
-              <a:rPr lang="en-GB" sz="2800" dirty="0"/>
-              <a:t>ⱼ (users equally satisfied) → More weight on Average method</a:t>
-            </a:r>
-          </a:p>
-          <a:p>
-            <a:pPr latinLnBrk="1"/>
-            <a:r>
-              <a:rPr lang="en-GB" sz="2800" dirty="0"/>
-              <a:t>Large </a:t>
-            </a:r>
-            <a:r>
-              <a:rPr lang="el-GR" sz="2800" dirty="0"/>
-              <a:t>α</a:t>
-            </a:r>
-            <a:r>
-              <a:rPr lang="en-GB" sz="2800" dirty="0"/>
-              <a:t>ⱼ (satisfaction differences) → More weight on Least Misery</a:t>
-            </a:r>
-          </a:p>
-          <a:p>
-            <a:endParaRPr lang="en-FI" sz="2800" dirty="0"/>
-          </a:p>
-        </p:txBody>
-      </p:sp>
+            <a:r>
+              <a:rPr lang="en-GB" sz="2000" dirty="0"/>
+              <a:t>Round 1 Results:</a:t>
+            </a:r>
+          </a:p>
+          <a:p>
+            <a:r>
+              <a:rPr lang="en-GB" sz="2000" dirty="0"/>
+              <a:t>User 1:   Satisfaction = 1.00 (very satisfied)</a:t>
+            </a:r>
+          </a:p>
+          <a:p>
+            <a:r>
+              <a:rPr lang="en-GB" sz="2000" dirty="0"/>
+              <a:t>User 414: Satisfaction = 0.84</a:t>
+            </a:r>
+          </a:p>
+          <a:p>
+            <a:r>
+              <a:rPr lang="en-GB" sz="2000" dirty="0"/>
+              <a:t>User 599: Satisfaction = 0.70 (least satisfied)</a:t>
+            </a:r>
+          </a:p>
+          <a:p>
+            <a:endParaRPr lang="en-GB" sz="2000" dirty="0"/>
+          </a:p>
+          <a:p>
+            <a:r>
+              <a:rPr lang="en-GB" sz="2000" dirty="0"/>
+              <a:t>Round 2 - SDAA Response:</a:t>
+            </a:r>
+          </a:p>
+          <a:p>
+            <a:r>
+              <a:rPr lang="en-GB" sz="2000" dirty="0"/>
+              <a:t>Adjusted Weights: {1: 0.00, 414: 0.35, 599: 0.65}</a:t>
+            </a:r>
+          </a:p>
+          <a:p>
+            <a:r>
+              <a:rPr lang="en-GB" sz="2000" dirty="0"/>
+              <a:t>→ User 599 gets 65% influence on recommendations</a:t>
+            </a:r>
+          </a:p>
+          <a:p>
+            <a:endParaRPr lang="en-GB" sz="2000" dirty="0"/>
+          </a:p>
+          <a:p>
+            <a:r>
+              <a:rPr lang="en-GB" sz="2000" dirty="0"/>
+              <a:t>Round 2 Results:</a:t>
+            </a:r>
+          </a:p>
+          <a:p>
+            <a:r>
+              <a:rPr lang="en-GB" sz="2000" dirty="0"/>
+              <a:t>User 599: Satisfaction improved to 0.68 ↑</a:t>
+            </a:r>
+          </a:p>
+          <a:p>
+            <a:endParaRPr lang="en-GB" sz="2000" dirty="0"/>
+          </a:p>
+          <a:p>
+            <a:r>
+              <a:rPr lang="en-GB" sz="2000" dirty="0"/>
+              <a:t>Interesting workflow:</a:t>
+            </a:r>
+          </a:p>
+          <a:p>
+            <a:r>
+              <a:rPr lang="en-GB" sz="2000" dirty="0"/>
+              <a:t>SDAA remembers who was dissatisfied and gives them  priority in future rounds, </a:t>
+            </a:r>
+          </a:p>
+          <a:p>
+            <a:r>
+              <a:rPr lang="en-GB" sz="2000" dirty="0"/>
+              <a:t>ensuring long-term fairness.</a:t>
+            </a:r>
+            <a:endParaRPr lang="en-FI" sz="2000" dirty="0"/>
+          </a:p>
+        </p:txBody>
+      </p:sp>
+      <p:pic>
+        <p:nvPicPr>
+          <p:cNvPr id="12" name="Picture 11">
+            <a:extLst>
+              <a:ext uri="{FF2B5EF4-FFF2-40B4-BE49-F238E27FC236}">
+                <a16:creationId xmlns:a16="http://schemas.microsoft.com/office/drawing/2014/main" id="{4E2EE4E3-D2AA-2603-58CB-314DE37510D8}"/>
+              </a:ext>
+            </a:extLst>
+          </p:cNvPr>
+          <p:cNvPicPr>
+            <a:picLocks noChangeAspect="1"/>
+          </p:cNvPicPr>
+          <p:nvPr/>
+        </p:nvPicPr>
+        <p:blipFill>
+          <a:blip r:embed="rId3"/>
+          <a:stretch>
+            <a:fillRect/>
+          </a:stretch>
+        </p:blipFill>
+        <p:spPr>
+          <a:xfrm>
+            <a:off x="6667231" y="1962218"/>
+            <a:ext cx="5088375" cy="3028795"/>
+          </a:xfrm>
+          <a:prstGeom prst="rect">
+            <a:avLst/>
+          </a:prstGeom>
+        </p:spPr>
+      </p:pic>
     </p:spTree>
     <p:extLst>
       <p:ext uri="{BB962C8B-B14F-4D97-AF65-F5344CB8AC3E}">
-        <p14:creationId xmlns:p14="http://schemas.microsoft.com/office/powerpoint/2010/main" val="1931905449"/>
+        <p14:creationId xmlns:p14="http://schemas.microsoft.com/office/powerpoint/2010/main" val="2004430317"/>
       </p:ext>
     </p:extLst>
   </p:cSld>
@@ -5082,10 +5085,10 @@
       </p:grpSpPr>
       <p:pic>
         <p:nvPicPr>
-          <p:cNvPr id="9" name="Picture 8">
-            <a:extLst>
-              <a:ext uri="{FF2B5EF4-FFF2-40B4-BE49-F238E27FC236}">
-                <a16:creationId xmlns:a16="http://schemas.microsoft.com/office/drawing/2014/main" id="{CCEE60F1-CED5-D549-14AD-69A2CD03CB02}"/>
+          <p:cNvPr id="5" name="Picture 4">
+            <a:extLst>
+              <a:ext uri="{FF2B5EF4-FFF2-40B4-BE49-F238E27FC236}">
+                <a16:creationId xmlns:a16="http://schemas.microsoft.com/office/drawing/2014/main" id="{07044322-EE5F-CA87-696A-CC55F2ADC893}"/>
               </a:ext>
             </a:extLst>
           </p:cNvPr>
@@ -5115,7 +5118,7 @@
           <p:cNvPr id="2" name="Title 1">
             <a:extLst>
               <a:ext uri="{FF2B5EF4-FFF2-40B4-BE49-F238E27FC236}">
-                <a16:creationId xmlns:a16="http://schemas.microsoft.com/office/drawing/2014/main" id="{E47C2EF6-3CDD-7125-4222-D07EFCFE395A}"/>
+                <a16:creationId xmlns:a16="http://schemas.microsoft.com/office/drawing/2014/main" id="{370DD20D-3027-3F5A-2447-8C055279014F}"/>
               </a:ext>
             </a:extLst>
           </p:cNvPr>
@@ -5128,30 +5131,45 @@
         </p:nvSpPr>
         <p:spPr>
           <a:xfrm>
-            <a:off x="522592" y="194080"/>
-            <a:ext cx="11069174" cy="1325563"/>
+            <a:off x="771085" y="624612"/>
+            <a:ext cx="5767806" cy="1325563"/>
           </a:xfrm>
         </p:spPr>
         <p:txBody>
           <a:bodyPr>
-            <a:normAutofit/>
+            <a:noAutofit/>
           </a:bodyPr>
           <a:lstStyle/>
           <a:p>
             <a:pPr latinLnBrk="1"/>
-            <a:r>
-              <a:rPr lang="en-GB" sz="3600" dirty="0"/>
-              <a:t>SQUIRREL Reinforcement Learning Framework</a:t>
-            </a:r>
+            <a:br>
+              <a:rPr lang="en-GB" sz="3200" b="1" dirty="0"/>
+            </a:br>
+            <a:r>
+              <a:rPr lang="en-GB" sz="4000" b="1" dirty="0"/>
+              <a:t>Comparison</a:t>
+            </a:r>
+            <a:r>
+              <a:rPr lang="en-GB" sz="3200" b="1" dirty="0"/>
+              <a:t> </a:t>
+            </a:r>
+            <a:br>
+              <a:rPr lang="en-GB" sz="3200" dirty="0"/>
+            </a:br>
+            <a:r>
+              <a:rPr lang="en-GB" sz="3200" dirty="0"/>
+              <a:t>Three Methods from SQUIRREL</a:t>
+            </a:r>
+            <a:endParaRPr lang="en-GB" sz="3200" b="1" dirty="0"/>
           </a:p>
         </p:txBody>
       </p:sp>
       <p:pic>
         <p:nvPicPr>
-          <p:cNvPr id="18" name="Picture 17">
-            <a:extLst>
-              <a:ext uri="{FF2B5EF4-FFF2-40B4-BE49-F238E27FC236}">
-                <a16:creationId xmlns:a16="http://schemas.microsoft.com/office/drawing/2014/main" id="{49633D0B-0A88-5BF9-5600-9C647A8D73D0}"/>
+          <p:cNvPr id="4" name="Picture 3">
+            <a:extLst>
+              <a:ext uri="{FF2B5EF4-FFF2-40B4-BE49-F238E27FC236}">
+                <a16:creationId xmlns:a16="http://schemas.microsoft.com/office/drawing/2014/main" id="{A592A863-D6F7-5504-CCF6-E24D89DB08F6}"/>
               </a:ext>
             </a:extLst>
           </p:cNvPr>
@@ -5168,8 +5186,8 @@
         </p:blipFill>
         <p:spPr>
           <a:xfrm>
-            <a:off x="4022003" y="1179147"/>
-            <a:ext cx="4566561" cy="1108586"/>
+            <a:off x="6681698" y="731947"/>
+            <a:ext cx="4739217" cy="1554053"/>
           </a:xfrm>
           <a:prstGeom prst="rect">
             <a:avLst/>
@@ -5178,17 +5196,19 @@
       </p:pic>
       <p:pic>
         <p:nvPicPr>
-          <p:cNvPr id="20" name="Picture 19">
-            <a:extLst>
-              <a:ext uri="{FF2B5EF4-FFF2-40B4-BE49-F238E27FC236}">
-                <a16:creationId xmlns:a16="http://schemas.microsoft.com/office/drawing/2014/main" id="{81C1A002-FF90-112E-F068-05E653C34E86}"/>
+          <p:cNvPr id="6" name="Content Placeholder 3">
+            <a:extLst>
+              <a:ext uri="{FF2B5EF4-FFF2-40B4-BE49-F238E27FC236}">
+                <a16:creationId xmlns:a16="http://schemas.microsoft.com/office/drawing/2014/main" id="{722027F2-0C8C-44F3-8424-E862E61E4C0D}"/>
               </a:ext>
             </a:extLst>
           </p:cNvPr>
           <p:cNvPicPr>
-            <a:picLocks noChangeAspect="1"/>
+            <a:picLocks noGrp="1" noChangeAspect="1"/>
           </p:cNvPicPr>
-          <p:nvPr/>
+          <p:nvPr>
+            <p:ph idx="1"/>
+          </p:nvPr>
         </p:nvPicPr>
         <p:blipFill>
           <a:blip r:embed="rId4"/>
@@ -5198,209 +5218,18 @@
         </p:blipFill>
         <p:spPr>
           <a:xfrm>
-            <a:off x="4845292" y="5526628"/>
-            <a:ext cx="3563391" cy="883319"/>
+            <a:off x="585698" y="2574787"/>
+            <a:ext cx="10701168" cy="3825854"/>
           </a:xfrm>
           <a:prstGeom prst="rect">
             <a:avLst/>
           </a:prstGeom>
         </p:spPr>
       </p:pic>
-      <p:pic>
-        <p:nvPicPr>
-          <p:cNvPr id="10" name="Picture 9">
-            <a:extLst>
-              <a:ext uri="{FF2B5EF4-FFF2-40B4-BE49-F238E27FC236}">
-                <a16:creationId xmlns:a16="http://schemas.microsoft.com/office/drawing/2014/main" id="{0C6D2A3A-863D-576E-F7FA-0E2AA1F386D8}"/>
-              </a:ext>
-            </a:extLst>
-          </p:cNvPr>
-          <p:cNvPicPr>
-            <a:picLocks noChangeAspect="1"/>
-          </p:cNvPicPr>
-          <p:nvPr/>
-        </p:nvPicPr>
-        <p:blipFill>
-          <a:blip r:embed="rId5"/>
-          <a:stretch>
-            <a:fillRect/>
-          </a:stretch>
-        </p:blipFill>
-        <p:spPr>
-          <a:xfrm>
-            <a:off x="2907036" y="2312971"/>
-            <a:ext cx="7171389" cy="3188419"/>
-          </a:xfrm>
-          <a:prstGeom prst="rect">
-            <a:avLst/>
-          </a:prstGeom>
-        </p:spPr>
-      </p:pic>
-      <p:pic>
-        <p:nvPicPr>
-          <p:cNvPr id="13" name="Picture 12">
-            <a:extLst>
-              <a:ext uri="{FF2B5EF4-FFF2-40B4-BE49-F238E27FC236}">
-                <a16:creationId xmlns:a16="http://schemas.microsoft.com/office/drawing/2014/main" id="{42C0049D-8016-91D3-0328-97917EFF1F84}"/>
-              </a:ext>
-            </a:extLst>
-          </p:cNvPr>
-          <p:cNvPicPr>
-            <a:picLocks noChangeAspect="1"/>
-          </p:cNvPicPr>
-          <p:nvPr/>
-        </p:nvPicPr>
-        <p:blipFill>
-          <a:blip r:embed="rId6"/>
-          <a:stretch>
-            <a:fillRect/>
-          </a:stretch>
-        </p:blipFill>
-        <p:spPr>
-          <a:xfrm>
-            <a:off x="10028562" y="3429000"/>
-            <a:ext cx="1975563" cy="954107"/>
-          </a:xfrm>
-          <a:prstGeom prst="rect">
-            <a:avLst/>
-          </a:prstGeom>
-        </p:spPr>
-      </p:pic>
-      <p:pic>
-        <p:nvPicPr>
-          <p:cNvPr id="17" name="Picture 16">
-            <a:extLst>
-              <a:ext uri="{FF2B5EF4-FFF2-40B4-BE49-F238E27FC236}">
-                <a16:creationId xmlns:a16="http://schemas.microsoft.com/office/drawing/2014/main" id="{1C17EA70-3EBF-28D3-8904-26DCF939BB13}"/>
-              </a:ext>
-            </a:extLst>
-          </p:cNvPr>
-          <p:cNvPicPr>
-            <a:picLocks noChangeAspect="1"/>
-          </p:cNvPicPr>
-          <p:nvPr/>
-        </p:nvPicPr>
-        <p:blipFill>
-          <a:blip r:embed="rId7"/>
-          <a:stretch>
-            <a:fillRect/>
-          </a:stretch>
-        </p:blipFill>
-        <p:spPr>
-          <a:xfrm>
-            <a:off x="260959" y="3422927"/>
-            <a:ext cx="2646077" cy="960180"/>
-          </a:xfrm>
-          <a:prstGeom prst="rect">
-            <a:avLst/>
-          </a:prstGeom>
-        </p:spPr>
-      </p:pic>
-      <p:sp>
-        <p:nvSpPr>
-          <p:cNvPr id="21" name="TextBox 20">
-            <a:extLst>
-              <a:ext uri="{FF2B5EF4-FFF2-40B4-BE49-F238E27FC236}">
-                <a16:creationId xmlns:a16="http://schemas.microsoft.com/office/drawing/2014/main" id="{69341CD9-8851-90B4-975A-310AAFC93F71}"/>
-              </a:ext>
-            </a:extLst>
-          </p:cNvPr>
-          <p:cNvSpPr txBox="1"/>
-          <p:nvPr/>
-        </p:nvSpPr>
-        <p:spPr>
-          <a:xfrm>
-            <a:off x="4526915" y="3778803"/>
-            <a:ext cx="3881768" cy="954107"/>
-          </a:xfrm>
-          <a:prstGeom prst="rect">
-            <a:avLst/>
-          </a:prstGeom>
-          <a:noFill/>
-        </p:spPr>
-        <p:txBody>
-          <a:bodyPr wrap="none" rtlCol="0">
-            <a:spAutoFit/>
-          </a:bodyPr>
-          <a:lstStyle/>
-          <a:p>
-            <a:pPr algn="ctr" latinLnBrk="1"/>
-            <a:r>
-              <a:rPr lang="en-GB" sz="1400" b="1" dirty="0">
-                <a:solidFill>
-                  <a:srgbClr val="FF0000"/>
-                </a:solidFill>
-                <a:highlight>
-                  <a:srgbClr val="FFFF00"/>
-                </a:highlight>
-              </a:rPr>
-              <a:t>Learning Cycle:</a:t>
-            </a:r>
-            <a:r>
-              <a:rPr lang="zh-CN" altLang="en-US" sz="1400" b="1" dirty="0">
-                <a:solidFill>
-                  <a:srgbClr val="FF0000"/>
-                </a:solidFill>
-                <a:highlight>
-                  <a:srgbClr val="FFFF00"/>
-                </a:highlight>
-              </a:rPr>
-              <a:t> </a:t>
-            </a:r>
-            <a:endParaRPr lang="en-US" altLang="zh-CN" sz="1400" b="1" dirty="0">
-              <a:solidFill>
-                <a:srgbClr val="FF0000"/>
-              </a:solidFill>
-              <a:highlight>
-                <a:srgbClr val="FFFF00"/>
-              </a:highlight>
-            </a:endParaRPr>
-          </a:p>
-          <a:p>
-            <a:pPr algn="ctr" latinLnBrk="1"/>
-            <a:r>
-              <a:rPr lang="en-GB" sz="1400" b="1" dirty="0">
-                <a:solidFill>
-                  <a:srgbClr val="FF0000"/>
-                </a:solidFill>
-                <a:highlight>
-                  <a:srgbClr val="FFFF00"/>
-                </a:highlight>
-              </a:rPr>
-              <a:t>State → Agent → Actions → New State → Reward</a:t>
-            </a:r>
-          </a:p>
-          <a:p>
-            <a:pPr algn="ctr" latinLnBrk="1"/>
-            <a:r>
-              <a:rPr lang="en-GB" sz="1400" b="1" dirty="0">
-                <a:solidFill>
-                  <a:srgbClr val="FF0000"/>
-                </a:solidFill>
-                <a:highlight>
-                  <a:srgbClr val="FFFF00"/>
-                </a:highlight>
-              </a:rPr>
-              <a:t>(Continuous adaptation across 3 rounds)</a:t>
-            </a:r>
-          </a:p>
-          <a:p>
-            <a:pPr algn="ctr"/>
-            <a:endParaRPr lang="en-FI" sz="1400" b="1" dirty="0">
-              <a:solidFill>
-                <a:srgbClr val="FF0000"/>
-              </a:solidFill>
-              <a:highlight>
-                <a:srgbClr val="FFFF00"/>
-              </a:highlight>
-            </a:endParaRPr>
-          </a:p>
-        </p:txBody>
-      </p:sp>
     </p:spTree>
     <p:extLst>
       <p:ext uri="{BB962C8B-B14F-4D97-AF65-F5344CB8AC3E}">
-        <p14:creationId xmlns:p14="http://schemas.microsoft.com/office/powerpoint/2010/main" val="4149120959"/>
+        <p14:creationId xmlns:p14="http://schemas.microsoft.com/office/powerpoint/2010/main" val="4025887371"/>
       </p:ext>
     </p:extLst>
   </p:cSld>
@@ -5415,7 +5244,13 @@
   <p:cSld>
     <p:spTree>
       <p:nvGrpSpPr>
-        <p:cNvPr id="1" name=""/>
+        <p:cNvPr id="1" name="">
+          <a:extLst>
+            <a:ext uri="{FF2B5EF4-FFF2-40B4-BE49-F238E27FC236}">
+              <a16:creationId xmlns:a16="http://schemas.microsoft.com/office/drawing/2014/main" id="{C8936F78-08EE-9B4C-7B46-42220D3FC277}"/>
+            </a:ext>
+          </a:extLst>
+        </p:cNvPr>
         <p:cNvGrpSpPr/>
         <p:nvPr/>
       </p:nvGrpSpPr>
@@ -5432,7 +5267,7 @@
           <p:cNvPr id="5" name="Picture 4">
             <a:extLst>
               <a:ext uri="{FF2B5EF4-FFF2-40B4-BE49-F238E27FC236}">
-                <a16:creationId xmlns:a16="http://schemas.microsoft.com/office/drawing/2014/main" id="{07044322-EE5F-CA87-696A-CC55F2ADC893}"/>
+                <a16:creationId xmlns:a16="http://schemas.microsoft.com/office/drawing/2014/main" id="{11C2A37D-8AB8-3606-F931-2DDAF7D07BD0}"/>
               </a:ext>
             </a:extLst>
           </p:cNvPr>
@@ -5462,7 +5297,7 @@
           <p:cNvPr id="2" name="Title 1">
             <a:extLst>
               <a:ext uri="{FF2B5EF4-FFF2-40B4-BE49-F238E27FC236}">
-                <a16:creationId xmlns:a16="http://schemas.microsoft.com/office/drawing/2014/main" id="{370DD20D-3027-3F5A-2447-8C055279014F}"/>
+                <a16:creationId xmlns:a16="http://schemas.microsoft.com/office/drawing/2014/main" id="{7AD32C00-9E07-F02B-3BEC-C5E8C1A46C7E}"/>
               </a:ext>
             </a:extLst>
           </p:cNvPr>
@@ -5475,8 +5310,8 @@
         </p:nvSpPr>
         <p:spPr>
           <a:xfrm>
-            <a:off x="445957" y="863716"/>
-            <a:ext cx="10515600" cy="1325563"/>
+            <a:off x="585698" y="586682"/>
+            <a:ext cx="5510302" cy="1325563"/>
           </a:xfrm>
         </p:spPr>
         <p:txBody>
@@ -5487,19 +5322,136 @@
           <a:p>
             <a:pPr latinLnBrk="1"/>
             <a:r>
-              <a:rPr lang="en-US" sz="4000" dirty="0"/>
-              <a:t>Reward changes reveal system intelligence:</a:t>
-            </a:r>
-            <a:endParaRPr lang="en-GB" sz="4000" dirty="0"/>
+              <a:rPr lang="en-GB" sz="4000" b="1" dirty="0"/>
+              <a:t>Why SDAA good?</a:t>
+            </a:r>
+          </a:p>
+        </p:txBody>
+      </p:sp>
+      <p:sp>
+        <p:nvSpPr>
+          <p:cNvPr id="8" name="TextBox 7">
+            <a:extLst>
+              <a:ext uri="{FF2B5EF4-FFF2-40B4-BE49-F238E27FC236}">
+                <a16:creationId xmlns:a16="http://schemas.microsoft.com/office/drawing/2014/main" id="{FBABE0FB-C130-75CD-29CC-F11CDC60B98B}"/>
+              </a:ext>
+            </a:extLst>
+          </p:cNvPr>
+          <p:cNvSpPr txBox="1"/>
+          <p:nvPr/>
+        </p:nvSpPr>
+        <p:spPr>
+          <a:xfrm>
+            <a:off x="585698" y="1770355"/>
+            <a:ext cx="11191144" cy="4832092"/>
+          </a:xfrm>
+          <a:prstGeom prst="rect">
+            <a:avLst/>
+          </a:prstGeom>
+          <a:noFill/>
+        </p:spPr>
+        <p:txBody>
+          <a:bodyPr wrap="square" rtlCol="0">
+            <a:spAutoFit/>
+          </a:bodyPr>
+          <a:lstStyle/>
+          <a:p>
+            <a:r>
+              <a:rPr lang="en-GB" sz="2400" b="1" dirty="0"/>
+              <a:t>Results Summary: </a:t>
+            </a:r>
+          </a:p>
+          <a:p>
+            <a:pPr marL="285750" indent="-285750">
+              <a:buFontTx/>
+              <a:buChar char="-"/>
+            </a:pPr>
+            <a:r>
+              <a:rPr lang="en-GB" sz="2400" dirty="0"/>
+              <a:t>Same satisfaction as Average (0.791) </a:t>
+            </a:r>
+          </a:p>
+          <a:p>
+            <a:pPr marL="285750" indent="-285750">
+              <a:buFontTx/>
+              <a:buChar char="-"/>
+            </a:pPr>
+            <a:r>
+              <a:rPr lang="en-GB" sz="2400" dirty="0"/>
+              <a:t>Lower disagreement (-1.7%) </a:t>
+            </a:r>
+          </a:p>
+          <a:p>
+            <a:pPr marL="285750" indent="-285750">
+              <a:buFontTx/>
+              <a:buChar char="-"/>
+            </a:pPr>
+            <a:r>
+              <a:rPr lang="en-GB" sz="2400" dirty="0"/>
+              <a:t>Highest reward (+1.8%)</a:t>
+            </a:r>
+          </a:p>
+          <a:p>
+            <a:endParaRPr lang="en-GB" sz="2400" dirty="0"/>
+          </a:p>
+          <a:p>
+            <a:r>
+              <a:rPr lang="en-GB" sz="2400" dirty="0"/>
+              <a:t>Among the three SQUIRREL methods we implemented:</a:t>
+            </a:r>
+          </a:p>
+          <a:p>
+            <a:r>
+              <a:rPr lang="en-GB" sz="2400" dirty="0"/>
+              <a:t>    ⭐️ SDAA achieves best balance</a:t>
+            </a:r>
+          </a:p>
+          <a:p>
+            <a:r>
+              <a:rPr lang="en-GB" sz="2400" dirty="0"/>
+              <a:t>   - Memory: Tracks cumulative satisfaction</a:t>
+            </a:r>
+          </a:p>
+          <a:p>
+            <a:r>
+              <a:rPr lang="en-GB" sz="2400" dirty="0"/>
+              <a:t>   - Adaptive: Dynamic weight adjustment</a:t>
+            </a:r>
+          </a:p>
+          <a:p>
+            <a:r>
+              <a:rPr lang="en-GB" sz="2400" dirty="0"/>
+              <a:t>   - Balanced: Fairness + Quality</a:t>
+            </a:r>
+          </a:p>
+          <a:p>
+            <a:endParaRPr lang="en-GB" sz="2400" dirty="0"/>
+          </a:p>
+          <a:p>
+            <a:r>
+              <a:rPr lang="en-GB" sz="2000" dirty="0"/>
+              <a:t>SDAA outperforms both Average and Least Misery</a:t>
+            </a:r>
+            <a:r>
+              <a:rPr lang="zh-CN" altLang="en-US" sz="2000" dirty="0"/>
+              <a:t> </a:t>
+            </a:r>
+            <a:r>
+              <a:rPr lang="en-GB" sz="2000" dirty="0"/>
+              <a:t>in terms of reward and disagreement reduction.</a:t>
+            </a:r>
+          </a:p>
+          <a:p>
+            <a:endParaRPr lang="en-FI" sz="2400" dirty="0"/>
           </a:p>
         </p:txBody>
       </p:sp>
       <p:pic>
         <p:nvPicPr>
-          <p:cNvPr id="7" name="Picture 6">
-            <a:extLst>
-              <a:ext uri="{FF2B5EF4-FFF2-40B4-BE49-F238E27FC236}">
-                <a16:creationId xmlns:a16="http://schemas.microsoft.com/office/drawing/2014/main" id="{93F7D416-1702-F53F-B43B-F2B405FB4DDA}"/>
+          <p:cNvPr id="9" name="Picture 8">
+            <a:extLst>
+              <a:ext uri="{FF2B5EF4-FFF2-40B4-BE49-F238E27FC236}">
+                <a16:creationId xmlns:a16="http://schemas.microsoft.com/office/drawing/2014/main" id="{D9535078-4524-DFF5-C928-79FA743ACE3A}"/>
               </a:ext>
             </a:extLst>
           </p:cNvPr>
@@ -5516,101 +5468,8 @@
         </p:blipFill>
         <p:spPr>
           <a:xfrm>
-            <a:off x="2734247" y="2210734"/>
-            <a:ext cx="5939020" cy="1684522"/>
-          </a:xfrm>
-          <a:prstGeom prst="rect">
-            <a:avLst/>
-          </a:prstGeom>
-        </p:spPr>
-      </p:pic>
-      <p:sp>
-        <p:nvSpPr>
-          <p:cNvPr id="10" name="TextBox 9">
-            <a:extLst>
-              <a:ext uri="{FF2B5EF4-FFF2-40B4-BE49-F238E27FC236}">
-                <a16:creationId xmlns:a16="http://schemas.microsoft.com/office/drawing/2014/main" id="{EA3257AA-BE7B-F464-3898-03E5CF10BFA9}"/>
-              </a:ext>
-            </a:extLst>
-          </p:cNvPr>
-          <p:cNvSpPr txBox="1"/>
-          <p:nvPr/>
-        </p:nvSpPr>
-        <p:spPr>
-          <a:xfrm>
-            <a:off x="614597" y="4361748"/>
-            <a:ext cx="7060367" cy="1569660"/>
-          </a:xfrm>
-          <a:prstGeom prst="rect">
-            <a:avLst/>
-          </a:prstGeom>
-          <a:noFill/>
-        </p:spPr>
-        <p:txBody>
-          <a:bodyPr wrap="square" rtlCol="0">
-            <a:spAutoFit/>
-          </a:bodyPr>
-          <a:lstStyle/>
-          <a:p>
-            <a:r>
-              <a:rPr lang="en-GB" sz="2400" dirty="0"/>
-              <a:t>The temporary drop shows smart balancing, </a:t>
-            </a:r>
-          </a:p>
-          <a:p>
-            <a:r>
-              <a:rPr lang="en-GB" sz="2400" dirty="0"/>
-              <a:t>not system failure</a:t>
-            </a:r>
-            <a:r>
-              <a:rPr lang="en-US" altLang="zh-CN" sz="2400" dirty="0"/>
-              <a:t>,</a:t>
-            </a:r>
-            <a:r>
-              <a:rPr lang="zh-CN" altLang="en-US" sz="2400" dirty="0"/>
-              <a:t> </a:t>
-            </a:r>
-            <a:endParaRPr lang="en-US" altLang="zh-CN" sz="2400" dirty="0"/>
-          </a:p>
-          <a:p>
-            <a:r>
-              <a:rPr lang="en-GB" sz="2400" dirty="0"/>
-              <a:t>keeps all users engaged long-term, </a:t>
-            </a:r>
-          </a:p>
-          <a:p>
-            <a:r>
-              <a:rPr lang="en-GB" sz="2400" dirty="0"/>
-              <a:t>not just maximizes a number.</a:t>
-            </a:r>
-            <a:endParaRPr lang="en-FI" sz="2400" dirty="0"/>
-          </a:p>
-        </p:txBody>
-      </p:sp>
-      <p:pic>
-        <p:nvPicPr>
-          <p:cNvPr id="11" name="Picture 10">
-            <a:extLst>
-              <a:ext uri="{FF2B5EF4-FFF2-40B4-BE49-F238E27FC236}">
-                <a16:creationId xmlns:a16="http://schemas.microsoft.com/office/drawing/2014/main" id="{6CED273A-3924-FEF0-3BA5-14D82E2BA41D}"/>
-              </a:ext>
-            </a:extLst>
-          </p:cNvPr>
-          <p:cNvPicPr>
-            <a:picLocks noChangeAspect="1"/>
-          </p:cNvPicPr>
-          <p:nvPr/>
-        </p:nvPicPr>
-        <p:blipFill>
-          <a:blip r:embed="rId4"/>
-          <a:stretch>
-            <a:fillRect/>
-          </a:stretch>
-        </p:blipFill>
-        <p:spPr>
-          <a:xfrm>
-            <a:off x="6467350" y="3681378"/>
-            <a:ext cx="4703520" cy="2735520"/>
+            <a:off x="7529221" y="825621"/>
+            <a:ext cx="2339992" cy="2854276"/>
           </a:xfrm>
           <a:prstGeom prst="rect">
             <a:avLst/>
@@ -5620,7 +5479,7 @@
     </p:spTree>
     <p:extLst>
       <p:ext uri="{BB962C8B-B14F-4D97-AF65-F5344CB8AC3E}">
-        <p14:creationId xmlns:p14="http://schemas.microsoft.com/office/powerpoint/2010/main" val="4025887371"/>
+        <p14:creationId xmlns:p14="http://schemas.microsoft.com/office/powerpoint/2010/main" val="2396965658"/>
       </p:ext>
     </p:extLst>
   </p:cSld>

--- a/presentation/Part2_group.pptx
+++ b/presentation/Part2_group.pptx
@@ -202,7 +202,7 @@
           <a:p>
             <a:fld id="{5FAA1530-BBF0-F94D-A458-1B9B062BF84B}" type="datetimeFigureOut">
               <a:rPr lang="en-FI" smtClean="0"/>
-              <a:t>11.11.2025</a:t>
+              <a:t>13.11.2025</a:t>
             </a:fld>
             <a:endParaRPr lang="en-FI"/>
           </a:p>
@@ -703,7 +703,7 @@
           <a:p>
             <a:fld id="{05A18288-B85B-2D44-B86D-F3A0FAFA3DFF}" type="datetimeFigureOut">
               <a:rPr lang="en-FI" smtClean="0"/>
-              <a:t>11.11.2025</a:t>
+              <a:t>13.11.2025</a:t>
             </a:fld>
             <a:endParaRPr lang="en-FI"/>
           </a:p>
@@ -903,7 +903,7 @@
           <a:p>
             <a:fld id="{05A18288-B85B-2D44-B86D-F3A0FAFA3DFF}" type="datetimeFigureOut">
               <a:rPr lang="en-FI" smtClean="0"/>
-              <a:t>11.11.2025</a:t>
+              <a:t>13.11.2025</a:t>
             </a:fld>
             <a:endParaRPr lang="en-FI"/>
           </a:p>
@@ -1113,7 +1113,7 @@
           <a:p>
             <a:fld id="{05A18288-B85B-2D44-B86D-F3A0FAFA3DFF}" type="datetimeFigureOut">
               <a:rPr lang="en-FI" smtClean="0"/>
-              <a:t>11.11.2025</a:t>
+              <a:t>13.11.2025</a:t>
             </a:fld>
             <a:endParaRPr lang="en-FI"/>
           </a:p>
@@ -1313,7 +1313,7 @@
           <a:p>
             <a:fld id="{05A18288-B85B-2D44-B86D-F3A0FAFA3DFF}" type="datetimeFigureOut">
               <a:rPr lang="en-FI" smtClean="0"/>
-              <a:t>11.11.2025</a:t>
+              <a:t>13.11.2025</a:t>
             </a:fld>
             <a:endParaRPr lang="en-FI"/>
           </a:p>
@@ -1589,7 +1589,7 @@
           <a:p>
             <a:fld id="{05A18288-B85B-2D44-B86D-F3A0FAFA3DFF}" type="datetimeFigureOut">
               <a:rPr lang="en-FI" smtClean="0"/>
-              <a:t>11.11.2025</a:t>
+              <a:t>13.11.2025</a:t>
             </a:fld>
             <a:endParaRPr lang="en-FI"/>
           </a:p>
@@ -1857,7 +1857,7 @@
           <a:p>
             <a:fld id="{05A18288-B85B-2D44-B86D-F3A0FAFA3DFF}" type="datetimeFigureOut">
               <a:rPr lang="en-FI" smtClean="0"/>
-              <a:t>11.11.2025</a:t>
+              <a:t>13.11.2025</a:t>
             </a:fld>
             <a:endParaRPr lang="en-FI"/>
           </a:p>
@@ -2272,7 +2272,7 @@
           <a:p>
             <a:fld id="{05A18288-B85B-2D44-B86D-F3A0FAFA3DFF}" type="datetimeFigureOut">
               <a:rPr lang="en-FI" smtClean="0"/>
-              <a:t>11.11.2025</a:t>
+              <a:t>13.11.2025</a:t>
             </a:fld>
             <a:endParaRPr lang="en-FI"/>
           </a:p>
@@ -2414,7 +2414,7 @@
           <a:p>
             <a:fld id="{05A18288-B85B-2D44-B86D-F3A0FAFA3DFF}" type="datetimeFigureOut">
               <a:rPr lang="en-FI" smtClean="0"/>
-              <a:t>11.11.2025</a:t>
+              <a:t>13.11.2025</a:t>
             </a:fld>
             <a:endParaRPr lang="en-FI"/>
           </a:p>
@@ -2527,7 +2527,7 @@
           <a:p>
             <a:fld id="{05A18288-B85B-2D44-B86D-F3A0FAFA3DFF}" type="datetimeFigureOut">
               <a:rPr lang="en-FI" smtClean="0"/>
-              <a:t>11.11.2025</a:t>
+              <a:t>13.11.2025</a:t>
             </a:fld>
             <a:endParaRPr lang="en-FI"/>
           </a:p>
@@ -2840,7 +2840,7 @@
           <a:p>
             <a:fld id="{05A18288-B85B-2D44-B86D-F3A0FAFA3DFF}" type="datetimeFigureOut">
               <a:rPr lang="en-FI" smtClean="0"/>
-              <a:t>11.11.2025</a:t>
+              <a:t>13.11.2025</a:t>
             </a:fld>
             <a:endParaRPr lang="en-FI"/>
           </a:p>
@@ -3129,7 +3129,7 @@
           <a:p>
             <a:fld id="{05A18288-B85B-2D44-B86D-F3A0FAFA3DFF}" type="datetimeFigureOut">
               <a:rPr lang="en-FI" smtClean="0"/>
-              <a:t>11.11.2025</a:t>
+              <a:t>13.11.2025</a:t>
             </a:fld>
             <a:endParaRPr lang="en-FI"/>
           </a:p>
@@ -3372,7 +3372,7 @@
           <a:p>
             <a:fld id="{05A18288-B85B-2D44-B86D-F3A0FAFA3DFF}" type="datetimeFigureOut">
               <a:rPr lang="en-FI" smtClean="0"/>
-              <a:t>11.11.2025</a:t>
+              <a:t>13.11.2025</a:t>
             </a:fld>
             <a:endParaRPr lang="en-FI"/>
           </a:p>
@@ -5196,10 +5196,10 @@
       </p:pic>
       <p:pic>
         <p:nvPicPr>
-          <p:cNvPr id="6" name="Content Placeholder 3">
-            <a:extLst>
-              <a:ext uri="{FF2B5EF4-FFF2-40B4-BE49-F238E27FC236}">
-                <a16:creationId xmlns:a16="http://schemas.microsoft.com/office/drawing/2014/main" id="{722027F2-0C8C-44F3-8424-E862E61E4C0D}"/>
+          <p:cNvPr id="8" name="Content Placeholder 7">
+            <a:extLst>
+              <a:ext uri="{FF2B5EF4-FFF2-40B4-BE49-F238E27FC236}">
+                <a16:creationId xmlns:a16="http://schemas.microsoft.com/office/drawing/2014/main" id="{24836CDB-98B9-D2AB-180B-EFC1FF2A0B7F}"/>
               </a:ext>
             </a:extLst>
           </p:cNvPr>
@@ -5218,8 +5218,8 @@
         </p:blipFill>
         <p:spPr>
           <a:xfrm>
-            <a:off x="585698" y="2574787"/>
-            <a:ext cx="10701168" cy="3825854"/>
+            <a:off x="386090" y="2333115"/>
+            <a:ext cx="11419820" cy="3900273"/>
           </a:xfrm>
           <a:prstGeom prst="rect">
             <a:avLst/>
